--- a/软件工程系列课程教学辅助网站/非受控文档/PPT等/软件测试过程模型.pptx
+++ b/软件工程系列课程教学辅助网站/非受控文档/PPT等/软件测试过程模型.pptx
@@ -2494,9 +2494,7 @@
             <p:ph type="sldImg"/>
           </p:nvPr>
         </p:nvSpPr>
-        <p:spPr>
-          <a:ln/>
-        </p:spPr>
+        <p:spPr/>
       </p:sp>
       <p:sp>
         <p:nvSpPr>
@@ -2639,9 +2637,7 @@
             <p:ph type="sldImg"/>
           </p:nvPr>
         </p:nvSpPr>
-        <p:spPr>
-          <a:ln/>
-        </p:spPr>
+        <p:spPr/>
       </p:sp>
       <p:sp>
         <p:nvSpPr>
@@ -10227,16 +10223,7 @@
                 </a:solidFill>
                 <a:latin typeface="Arial" panose="020B0604020202020204" pitchFamily="34" charset="0"/>
               </a:rPr>
-              <a:t>只有</a:t>
-            </a:r>
-            <a:r>
-              <a:rPr lang="zh-CN" sz="1600" dirty="0">
-                <a:solidFill>
-                  <a:srgbClr val="0E6254"/>
-                </a:solidFill>
-                <a:latin typeface="Arial" panose="020B0604020202020204" pitchFamily="34" charset="0"/>
-              </a:rPr>
-              <a:t>当</a:t>
+              <a:t>只有当</a:t>
             </a:r>
             <a:r>
               <a:rPr sz="1600" dirty="0">
@@ -15795,7 +15782,7 @@
         <p:spPr>
           <a:xfrm>
             <a:off x="5773738" y="1408113"/>
-            <a:ext cx="6096000" cy="4246562"/>
+            <a:ext cx="6096000" cy="4246245"/>
           </a:xfrm>
           <a:prstGeom prst="rect">
             <a:avLst/>
@@ -15818,7 +15805,7 @@
                 </a:solidFill>
                 <a:latin typeface="Arial" panose="020B0604020202020204" pitchFamily="34" charset="0"/>
               </a:rPr>
-              <a:t>单元测试：验证软件单元是否按照单元规格说明（详细设计说明）正确执行，即保证每个最小的单元能够正常运行。单元测试一般由开发人员来执行，首先设定最小的测试单元，然后通过设计相应的测试用例来验证各个单元功能的正确性；</a:t>
+              <a:t>单元测试：验证软件单元是否按照单元规格说明（详细设计说明）正确执行，即保证每个最小的单元能够正常运行。单元测试一般由开发人员来执行，首先设定最小的测试单元，然后通过设计相应的测试用例来验证各个单元功能的正确性。</a:t>
             </a:r>
             <a:endParaRPr lang="zh-CN" altLang="en-US" dirty="0">
               <a:solidFill>
@@ -15845,7 +15832,7 @@
                 </a:solidFill>
                 <a:latin typeface="Arial" panose="020B0604020202020204" pitchFamily="34" charset="0"/>
               </a:rPr>
-              <a:t>集成测试：检查多个单元是否按照系统概要设计描述的方式协同工作。集成测试的主要关注点是系统能够成功编译，实现了主要的业务功能，系统各个模块之间数据能够正常通信等；</a:t>
+              <a:t>集成测试：检查多个单元是否按照系统概要设计描述的方式协同工作。集成测试的主要关注点是系统能够成功编译，实现了主要的业务功能，系统各个模块之间数据能够正常通信等。</a:t>
             </a:r>
             <a:endParaRPr lang="zh-CN" altLang="en-US" dirty="0">
               <a:solidFill>
@@ -15872,7 +15859,7 @@
                 </a:solidFill>
                 <a:latin typeface="Arial" panose="020B0604020202020204" pitchFamily="34" charset="0"/>
               </a:rPr>
-              <a:t>系统测试：验证整个系统是否满足需求规格说明；</a:t>
+              <a:t>系统测试：验证整个系统是否满足需求规格说明。</a:t>
             </a:r>
             <a:endParaRPr lang="zh-CN" altLang="en-US" dirty="0">
               <a:solidFill>
@@ -15899,7 +15886,7 @@
                 </a:solidFill>
                 <a:latin typeface="Arial" panose="020B0604020202020204" pitchFamily="34" charset="0"/>
               </a:rPr>
-              <a:t>验收测试：从用户的角度检查系统是否满足合同中定义的需求或者用户需求；</a:t>
+              <a:t>验收测试：从用户的角度检查系统是否满足合同中定义的需求或者用户需求。</a:t>
             </a:r>
             <a:endParaRPr lang="zh-CN" altLang="en-US" dirty="0">
               <a:solidFill>
@@ -16129,7 +16116,7 @@
         <p:spPr>
           <a:xfrm>
             <a:off x="5545773" y="2359343"/>
-            <a:ext cx="6226175" cy="2308225"/>
+            <a:ext cx="6226175" cy="2306955"/>
           </a:xfrm>
           <a:prstGeom prst="rect">
             <a:avLst/>
@@ -16146,33 +16133,24 @@
           <a:p>
             <a:pPr latinLnBrk="1"/>
             <a:r>
+              <a:rPr lang="en-US" altLang="zh-CN" dirty="0">
+                <a:solidFill>
+                  <a:srgbClr val="117A68"/>
+                </a:solidFill>
+                <a:latin typeface="Arial" panose="020B0604020202020204" pitchFamily="34" charset="0"/>
+              </a:rPr>
+              <a:t>V</a:t>
+            </a:r>
+            <a:r>
               <a:rPr lang="zh-CN" altLang="en-US" dirty="0">
                 <a:solidFill>
                   <a:srgbClr val="117A68"/>
                 </a:solidFill>
                 <a:latin typeface="Arial" panose="020B0604020202020204" pitchFamily="34" charset="0"/>
               </a:rPr>
-              <a:t>_x0002_</a:t>
-            </a:r>
-            <a:r>
-              <a:rPr lang="en-US" altLang="zh-CN" dirty="0">
-                <a:solidFill>
-                  <a:srgbClr val="117A68"/>
-                </a:solidFill>
-                <a:latin typeface="Arial" panose="020B0604020202020204" pitchFamily="34" charset="0"/>
-              </a:rPr>
-              <a:t>V</a:t>
-            </a:r>
-            <a:r>
-              <a:rPr lang="zh-CN" altLang="en-US" dirty="0">
-                <a:solidFill>
-                  <a:srgbClr val="117A68"/>
-                </a:solidFill>
-                <a:latin typeface="Arial" panose="020B0604020202020204" pitchFamily="34" charset="0"/>
-              </a:rPr>
-              <a:t>模型体现的主要思想是开发和测试同等重要，左侧代表的是开发活动，而右侧代表的是测试活动；</a:t>
-            </a:r>
-            <a:endParaRPr lang="en-US" altLang="zh-CN" dirty="0">
+              <a:t>模型体现的主要思想是开发和测试同等重要，左侧代表的是开发活动，而右侧代表的是测试活动。</a:t>
+            </a:r>
+            <a:endParaRPr lang="zh-CN" altLang="en-US" dirty="0">
               <a:solidFill>
                 <a:srgbClr val="117A68"/>
               </a:solidFill>
@@ -16191,15 +16169,6 @@
           <a:p>
             <a:pPr latinLnBrk="1"/>
             <a:r>
-              <a:rPr lang="zh-CN" altLang="en-US" dirty="0">
-                <a:solidFill>
-                  <a:srgbClr val="117A68"/>
-                </a:solidFill>
-                <a:latin typeface="Arial" panose="020B0604020202020204" pitchFamily="34" charset="0"/>
-              </a:rPr>
-              <a:t>_x0002_</a:t>
-            </a:r>
-            <a:r>
               <a:rPr lang="en-US" altLang="zh-CN" dirty="0">
                 <a:solidFill>
                   <a:srgbClr val="117A68"/>
@@ -16233,9 +16202,9 @@
                 </a:solidFill>
                 <a:latin typeface="Arial" panose="020B0604020202020204" pitchFamily="34" charset="0"/>
               </a:rPr>
-              <a:t>_x0002_测试依旧是开发生命周期中的阶段，与瀑布模型不同的是，有多个测试级别与开发阶段对应；</a:t>
-            </a:r>
-            <a:endParaRPr lang="en-US" altLang="zh-CN" dirty="0">
+              <a:t>测试依旧是开发生命周期中的阶段，与瀑布模型不同的是，有多个测试级别与开发阶段对应。</a:t>
+            </a:r>
+            <a:endParaRPr lang="zh-CN" altLang="en-US" dirty="0">
               <a:solidFill>
                 <a:srgbClr val="117A68"/>
               </a:solidFill>
@@ -16254,31 +16223,22 @@
           <a:p>
             <a:pPr latinLnBrk="1"/>
             <a:r>
+              <a:rPr lang="en-US" altLang="zh-CN" dirty="0">
+                <a:solidFill>
+                  <a:srgbClr val="117A68"/>
+                </a:solidFill>
+                <a:latin typeface="Arial" panose="020B0604020202020204" pitchFamily="34" charset="0"/>
+              </a:rPr>
+              <a:t>V</a:t>
+            </a:r>
+            <a:r>
               <a:rPr lang="zh-CN" altLang="en-US" dirty="0">
                 <a:solidFill>
                   <a:srgbClr val="117A68"/>
                 </a:solidFill>
                 <a:latin typeface="Arial" panose="020B0604020202020204" pitchFamily="34" charset="0"/>
               </a:rPr>
-              <a:t>_x0002_</a:t>
-            </a:r>
-            <a:r>
-              <a:rPr lang="en-US" altLang="zh-CN" dirty="0">
-                <a:solidFill>
-                  <a:srgbClr val="117A68"/>
-                </a:solidFill>
-                <a:latin typeface="Arial" panose="020B0604020202020204" pitchFamily="34" charset="0"/>
-              </a:rPr>
-              <a:t>V</a:t>
-            </a:r>
-            <a:r>
-              <a:rPr lang="zh-CN" altLang="en-US" dirty="0">
-                <a:solidFill>
-                  <a:srgbClr val="117A68"/>
-                </a:solidFill>
-                <a:latin typeface="Arial" panose="020B0604020202020204" pitchFamily="34" charset="0"/>
-              </a:rPr>
-              <a:t>模型适用于需求明确和需求变更不频繁的情形；</a:t>
+              <a:t>模型适用于需求明确和需求变更不频繁的情形。</a:t>
             </a:r>
             <a:endParaRPr lang="zh-CN" altLang="en-US" dirty="0">
               <a:solidFill>
